--- a/Documentation/ExtJS Basic to Pro - Presentation.pptx
+++ b/Documentation/ExtJS Basic to Pro - Presentation.pptx
@@ -100,6 +100,8 @@
     <p:sldId id="353" r:id="rId94"/>
     <p:sldId id="354" r:id="rId95"/>
     <p:sldId id="355" r:id="rId96"/>
+    <p:sldId id="356" r:id="rId97"/>
+    <p:sldId id="357" r:id="rId98"/>
   </p:sldIdLst>
   <p:sldSz cx="9144000" cy="6858000" type="screen4x3"/>
   <p:notesSz cx="6858000" cy="9144000"/>
@@ -602,7 +604,7 @@
             <a:fld id="{6F5BAF46-9F9A-4CD0-9BF4-8BB8EBD0B4AE}" type="datetimeFigureOut">
               <a:rPr lang="es-CR" smtClean="0"/>
               <a:pPr/>
-              <a:t>22/11/2013</a:t>
+              <a:t>25/11/2013</a:t>
             </a:fld>
             <a:endParaRPr lang="es-CR"/>
           </a:p>
@@ -769,7 +771,7 @@
             <a:fld id="{6F5BAF46-9F9A-4CD0-9BF4-8BB8EBD0B4AE}" type="datetimeFigureOut">
               <a:rPr lang="es-CR" smtClean="0"/>
               <a:pPr/>
-              <a:t>22/11/2013</a:t>
+              <a:t>25/11/2013</a:t>
             </a:fld>
             <a:endParaRPr lang="es-CR"/>
           </a:p>
@@ -946,7 +948,7 @@
             <a:fld id="{6F5BAF46-9F9A-4CD0-9BF4-8BB8EBD0B4AE}" type="datetimeFigureOut">
               <a:rPr lang="es-CR" smtClean="0"/>
               <a:pPr/>
-              <a:t>22/11/2013</a:t>
+              <a:t>25/11/2013</a:t>
             </a:fld>
             <a:endParaRPr lang="es-CR"/>
           </a:p>
@@ -1117,7 +1119,7 @@
             <a:fld id="{6F5BAF46-9F9A-4CD0-9BF4-8BB8EBD0B4AE}" type="datetimeFigureOut">
               <a:rPr lang="es-CR" smtClean="0"/>
               <a:pPr/>
-              <a:t>22/11/2013</a:t>
+              <a:t>25/11/2013</a:t>
             </a:fld>
             <a:endParaRPr lang="es-CR"/>
           </a:p>
@@ -1574,7 +1576,7 @@
             <a:fld id="{6F5BAF46-9F9A-4CD0-9BF4-8BB8EBD0B4AE}" type="datetimeFigureOut">
               <a:rPr lang="es-CR" smtClean="0"/>
               <a:pPr/>
-              <a:t>22/11/2013</a:t>
+              <a:t>25/11/2013</a:t>
             </a:fld>
             <a:endParaRPr lang="es-CR"/>
           </a:p>
@@ -1840,7 +1842,7 @@
             <a:fld id="{6F5BAF46-9F9A-4CD0-9BF4-8BB8EBD0B4AE}" type="datetimeFigureOut">
               <a:rPr lang="es-CR" smtClean="0"/>
               <a:pPr/>
-              <a:t>22/11/2013</a:t>
+              <a:t>25/11/2013</a:t>
             </a:fld>
             <a:endParaRPr lang="es-CR"/>
           </a:p>
@@ -2216,7 +2218,7 @@
             <a:fld id="{6F5BAF46-9F9A-4CD0-9BF4-8BB8EBD0B4AE}" type="datetimeFigureOut">
               <a:rPr lang="es-CR" smtClean="0"/>
               <a:pPr/>
-              <a:t>22/11/2013</a:t>
+              <a:t>25/11/2013</a:t>
             </a:fld>
             <a:endParaRPr lang="es-CR"/>
           </a:p>
@@ -2340,7 +2342,7 @@
             <a:fld id="{6F5BAF46-9F9A-4CD0-9BF4-8BB8EBD0B4AE}" type="datetimeFigureOut">
               <a:rPr lang="es-CR" smtClean="0"/>
               <a:pPr/>
-              <a:t>22/11/2013</a:t>
+              <a:t>25/11/2013</a:t>
             </a:fld>
             <a:endParaRPr lang="es-CR"/>
           </a:p>
@@ -2432,7 +2434,7 @@
             <a:fld id="{6F5BAF46-9F9A-4CD0-9BF4-8BB8EBD0B4AE}" type="datetimeFigureOut">
               <a:rPr lang="es-CR" smtClean="0"/>
               <a:pPr/>
-              <a:t>22/11/2013</a:t>
+              <a:t>25/11/2013</a:t>
             </a:fld>
             <a:endParaRPr lang="es-CR"/>
           </a:p>
@@ -2683,7 +2685,7 @@
             <a:fld id="{6F5BAF46-9F9A-4CD0-9BF4-8BB8EBD0B4AE}" type="datetimeFigureOut">
               <a:rPr lang="es-CR" smtClean="0"/>
               <a:pPr/>
-              <a:t>22/11/2013</a:t>
+              <a:t>25/11/2013</a:t>
             </a:fld>
             <a:endParaRPr lang="es-CR"/>
           </a:p>
@@ -2944,7 +2946,7 @@
             <a:fld id="{6F5BAF46-9F9A-4CD0-9BF4-8BB8EBD0B4AE}" type="datetimeFigureOut">
               <a:rPr lang="es-CR" smtClean="0"/>
               <a:pPr/>
-              <a:t>22/11/2013</a:t>
+              <a:t>25/11/2013</a:t>
             </a:fld>
             <a:endParaRPr lang="es-CR"/>
           </a:p>
@@ -3350,7 +3352,7 @@
             <a:fld id="{6F5BAF46-9F9A-4CD0-9BF4-8BB8EBD0B4AE}" type="datetimeFigureOut">
               <a:rPr lang="es-CR" smtClean="0"/>
               <a:pPr/>
-              <a:t>22/11/2013</a:t>
+              <a:t>25/11/2013</a:t>
             </a:fld>
             <a:endParaRPr lang="es-CR"/>
           </a:p>
@@ -4047,7 +4049,7 @@
         </p:blipFill>
         <p:spPr>
           <a:xfrm>
-            <a:off x="3108153" y="3081015"/>
+            <a:off x="3108153" y="3153023"/>
             <a:ext cx="2876951" cy="3372321"/>
           </a:xfrm>
           <a:prstGeom prst="rect">
@@ -4299,7 +4301,7 @@
         </p:blipFill>
         <p:spPr>
           <a:xfrm>
-            <a:off x="1488678" y="2751796"/>
+            <a:off x="1488678" y="2780928"/>
             <a:ext cx="6115904" cy="3629532"/>
           </a:xfrm>
           <a:prstGeom prst="rect">
@@ -9374,7 +9376,7 @@
         </p:blipFill>
         <p:spPr>
           <a:xfrm>
-            <a:off x="1866979" y="1340768"/>
+            <a:off x="1866979" y="1352818"/>
             <a:ext cx="5381548" cy="2148190"/>
           </a:xfrm>
           <a:prstGeom prst="rect">
@@ -10166,7 +10168,7 @@
         </p:blipFill>
         <p:spPr>
           <a:xfrm>
-            <a:off x="3187731" y="4248267"/>
+            <a:off x="3187731" y="4293096"/>
             <a:ext cx="2717797" cy="1196957"/>
           </a:xfrm>
           <a:prstGeom prst="rect">
@@ -10401,7 +10403,7 @@
         </p:blipFill>
         <p:spPr>
           <a:xfrm>
-            <a:off x="2031970" y="717449"/>
+            <a:off x="2031970" y="764704"/>
             <a:ext cx="5051566" cy="6093296"/>
           </a:xfrm>
           <a:prstGeom prst="rect">
@@ -12460,7 +12462,7 @@
         </p:blipFill>
         <p:spPr>
           <a:xfrm>
-            <a:off x="179512" y="2978181"/>
+            <a:off x="179512" y="2996952"/>
             <a:ext cx="3845825" cy="1818971"/>
           </a:xfrm>
           <a:prstGeom prst="rect">
@@ -17165,6 +17167,390 @@
     <p:extLst>
       <p:ext uri="{BB962C8B-B14F-4D97-AF65-F5344CB8AC3E}">
         <p14:creationId xmlns:p14="http://schemas.microsoft.com/office/powerpoint/2010/main" val="2868364560"/>
+      </p:ext>
+    </p:extLst>
+  </p:cSld>
+  <p:clrMapOvr>
+    <a:masterClrMapping/>
+  </p:clrMapOvr>
+  <p:transition/>
+  <p:timing>
+    <p:tnLst>
+      <p:par>
+        <p:cTn id="1" dur="indefinite" restart="never" nodeType="tmRoot"/>
+      </p:par>
+    </p:tnLst>
+  </p:timing>
+</p:sld>
+</file>
+
+<file path=ppt/slides/slide96.xml><?xml version="1.0" encoding="utf-8"?>
+<p:sld xmlns:a="http://schemas.openxmlformats.org/drawingml/2006/main" xmlns:r="http://schemas.openxmlformats.org/officeDocument/2006/relationships" xmlns:p="http://schemas.openxmlformats.org/presentationml/2006/main">
+  <p:cSld>
+    <p:spTree>
+      <p:nvGrpSpPr>
+        <p:cNvPr id="1" name=""/>
+        <p:cNvGrpSpPr/>
+        <p:nvPr/>
+      </p:nvGrpSpPr>
+      <p:grpSpPr>
+        <a:xfrm>
+          <a:off x="0" y="0"/>
+          <a:ext cx="0" cy="0"/>
+          <a:chOff x="0" y="0"/>
+          <a:chExt cx="0" cy="0"/>
+        </a:xfrm>
+      </p:grpSpPr>
+      <p:sp>
+        <p:nvSpPr>
+          <p:cNvPr id="22530" name="Rectangle 1"/>
+          <p:cNvSpPr>
+            <a:spLocks noGrp="1" noChangeArrowheads="1"/>
+          </p:cNvSpPr>
+          <p:nvPr>
+            <p:ph type="title"/>
+          </p:nvPr>
+        </p:nvSpPr>
+        <p:spPr>
+          <a:xfrm>
+            <a:off x="118627" y="66308"/>
+            <a:ext cx="8878253" cy="698396"/>
+          </a:xfrm>
+        </p:spPr>
+        <p:txBody>
+          <a:bodyPr>
+            <a:normAutofit fontScale="90000"/>
+          </a:bodyPr>
+          <a:lstStyle/>
+          <a:p>
+            <a:pPr algn="ctr"/>
+            <a:r>
+              <a:rPr lang="en-US" dirty="0" smtClean="0"/>
+              <a:t>Best Practices</a:t>
+            </a:r>
+            <a:endParaRPr lang="en-US" sz="4300" dirty="0" smtClean="0"/>
+          </a:p>
+        </p:txBody>
+      </p:sp>
+      <p:sp>
+        <p:nvSpPr>
+          <p:cNvPr id="2" name="CuadroTexto 1"/>
+          <p:cNvSpPr txBox="1"/>
+          <p:nvPr/>
+        </p:nvSpPr>
+        <p:spPr>
+          <a:xfrm>
+            <a:off x="2028855" y="2348880"/>
+            <a:ext cx="5057795" cy="369332"/>
+          </a:xfrm>
+          <a:prstGeom prst="rect">
+            <a:avLst/>
+          </a:prstGeom>
+          <a:noFill/>
+        </p:spPr>
+        <p:txBody>
+          <a:bodyPr wrap="none" rtlCol="0">
+            <a:spAutoFit/>
+          </a:bodyPr>
+          <a:lstStyle/>
+          <a:p>
+            <a:r>
+              <a:rPr lang="en-US" dirty="0" err="1" smtClean="0"/>
+              <a:t>Ext.suspendLayouts</a:t>
+            </a:r>
+            <a:r>
+              <a:rPr lang="en-US" dirty="0" smtClean="0"/>
+              <a:t>() and </a:t>
+            </a:r>
+            <a:r>
+              <a:rPr lang="en-US" dirty="0" err="1" smtClean="0"/>
+              <a:t>Ext.resumeLayouts</a:t>
+            </a:r>
+            <a:r>
+              <a:rPr lang="en-US" dirty="0" smtClean="0"/>
+              <a:t>()</a:t>
+            </a:r>
+            <a:endParaRPr lang="es-CR" dirty="0"/>
+          </a:p>
+        </p:txBody>
+      </p:sp>
+      <p:sp>
+        <p:nvSpPr>
+          <p:cNvPr id="3" name="CuadroTexto 2"/>
+          <p:cNvSpPr txBox="1"/>
+          <p:nvPr/>
+        </p:nvSpPr>
+        <p:spPr>
+          <a:xfrm>
+            <a:off x="1945498" y="3501008"/>
+            <a:ext cx="5224507" cy="646331"/>
+          </a:xfrm>
+          <a:prstGeom prst="rect">
+            <a:avLst/>
+          </a:prstGeom>
+          <a:noFill/>
+        </p:spPr>
+        <p:txBody>
+          <a:bodyPr wrap="none" rtlCol="0">
+            <a:spAutoFit/>
+          </a:bodyPr>
+          <a:lstStyle/>
+          <a:p>
+            <a:pPr algn="ctr"/>
+            <a:r>
+              <a:rPr lang="en-US" dirty="0" smtClean="0"/>
+              <a:t>Use them when you need to perform actions on a</a:t>
+            </a:r>
+          </a:p>
+          <a:p>
+            <a:pPr algn="ctr"/>
+            <a:r>
+              <a:rPr lang="en-US" dirty="0" smtClean="0"/>
+              <a:t>collection of </a:t>
+            </a:r>
+            <a:r>
+              <a:rPr lang="en-US" dirty="0" err="1" smtClean="0"/>
+              <a:t>ui</a:t>
+            </a:r>
+            <a:r>
+              <a:rPr lang="en-US" smtClean="0"/>
+              <a:t> components at </a:t>
+            </a:r>
+            <a:r>
+              <a:rPr lang="en-US" dirty="0" smtClean="0"/>
+              <a:t>once</a:t>
+            </a:r>
+            <a:endParaRPr lang="es-CR" dirty="0"/>
+          </a:p>
+        </p:txBody>
+      </p:sp>
+    </p:spTree>
+    <p:extLst>
+      <p:ext uri="{BB962C8B-B14F-4D97-AF65-F5344CB8AC3E}">
+        <p14:creationId xmlns:p14="http://schemas.microsoft.com/office/powerpoint/2010/main" val="987002204"/>
+      </p:ext>
+    </p:extLst>
+  </p:cSld>
+  <p:clrMapOvr>
+    <a:masterClrMapping/>
+  </p:clrMapOvr>
+  <p:transition/>
+  <p:timing>
+    <p:tnLst>
+      <p:par>
+        <p:cTn id="1" dur="indefinite" restart="never" nodeType="tmRoot"/>
+      </p:par>
+    </p:tnLst>
+  </p:timing>
+</p:sld>
+</file>
+
+<file path=ppt/slides/slide97.xml><?xml version="1.0" encoding="utf-8"?>
+<p:sld xmlns:a="http://schemas.openxmlformats.org/drawingml/2006/main" xmlns:r="http://schemas.openxmlformats.org/officeDocument/2006/relationships" xmlns:p="http://schemas.openxmlformats.org/presentationml/2006/main">
+  <p:cSld>
+    <p:spTree>
+      <p:nvGrpSpPr>
+        <p:cNvPr id="1" name=""/>
+        <p:cNvGrpSpPr/>
+        <p:nvPr/>
+      </p:nvGrpSpPr>
+      <p:grpSpPr>
+        <a:xfrm>
+          <a:off x="0" y="0"/>
+          <a:ext cx="0" cy="0"/>
+          <a:chOff x="0" y="0"/>
+          <a:chExt cx="0" cy="0"/>
+        </a:xfrm>
+      </p:grpSpPr>
+      <p:sp>
+        <p:nvSpPr>
+          <p:cNvPr id="22530" name="Rectangle 1"/>
+          <p:cNvSpPr>
+            <a:spLocks noGrp="1" noChangeArrowheads="1"/>
+          </p:cNvSpPr>
+          <p:nvPr>
+            <p:ph type="title"/>
+          </p:nvPr>
+        </p:nvSpPr>
+        <p:spPr>
+          <a:xfrm>
+            <a:off x="118627" y="66308"/>
+            <a:ext cx="8878253" cy="698396"/>
+          </a:xfrm>
+        </p:spPr>
+        <p:txBody>
+          <a:bodyPr>
+            <a:normAutofit fontScale="90000"/>
+          </a:bodyPr>
+          <a:lstStyle/>
+          <a:p>
+            <a:pPr algn="ctr"/>
+            <a:r>
+              <a:rPr lang="en-US" dirty="0" smtClean="0"/>
+              <a:t>Best Practices</a:t>
+            </a:r>
+            <a:endParaRPr lang="en-US" sz="4300" dirty="0" smtClean="0"/>
+          </a:p>
+        </p:txBody>
+      </p:sp>
+      <p:sp>
+        <p:nvSpPr>
+          <p:cNvPr id="2" name="CuadroTexto 1"/>
+          <p:cNvSpPr txBox="1"/>
+          <p:nvPr/>
+        </p:nvSpPr>
+        <p:spPr>
+          <a:xfrm>
+            <a:off x="2785471" y="1053669"/>
+            <a:ext cx="3544560" cy="369332"/>
+          </a:xfrm>
+          <a:prstGeom prst="rect">
+            <a:avLst/>
+          </a:prstGeom>
+          <a:noFill/>
+        </p:spPr>
+        <p:txBody>
+          <a:bodyPr wrap="none" rtlCol="0">
+            <a:spAutoFit/>
+          </a:bodyPr>
+          <a:lstStyle/>
+          <a:p>
+            <a:r>
+              <a:rPr lang="en-US" dirty="0" smtClean="0"/>
+              <a:t>Design classes for configurability</a:t>
+            </a:r>
+            <a:endParaRPr lang="es-CR" dirty="0"/>
+          </a:p>
+        </p:txBody>
+      </p:sp>
+      <p:sp>
+        <p:nvSpPr>
+          <p:cNvPr id="5" name="CuadroTexto 4"/>
+          <p:cNvSpPr txBox="1"/>
+          <p:nvPr/>
+        </p:nvSpPr>
+        <p:spPr>
+          <a:xfrm>
+            <a:off x="3811393" y="1835532"/>
+            <a:ext cx="1492716" cy="369332"/>
+          </a:xfrm>
+          <a:prstGeom prst="rect">
+            <a:avLst/>
+          </a:prstGeom>
+          <a:noFill/>
+        </p:spPr>
+        <p:txBody>
+          <a:bodyPr wrap="none" rtlCol="0">
+            <a:spAutoFit/>
+          </a:bodyPr>
+          <a:lstStyle/>
+          <a:p>
+            <a:r>
+              <a:rPr lang="en-US" dirty="0" smtClean="0">
+                <a:solidFill>
+                  <a:srgbClr val="FF0000"/>
+                </a:solidFill>
+              </a:rPr>
+              <a:t>Bad Practice</a:t>
+            </a:r>
+            <a:endParaRPr lang="es-CR" dirty="0">
+              <a:solidFill>
+                <a:srgbClr val="FF0000"/>
+              </a:solidFill>
+            </a:endParaRPr>
+          </a:p>
+        </p:txBody>
+      </p:sp>
+      <p:pic>
+        <p:nvPicPr>
+          <p:cNvPr id="4" name="Imagen 3"/>
+          <p:cNvPicPr>
+            <a:picLocks noChangeAspect="1"/>
+          </p:cNvPicPr>
+          <p:nvPr/>
+        </p:nvPicPr>
+        <p:blipFill>
+          <a:blip r:embed="rId2"/>
+          <a:stretch>
+            <a:fillRect/>
+          </a:stretch>
+        </p:blipFill>
+        <p:spPr>
+          <a:xfrm>
+            <a:off x="3419872" y="2515312"/>
+            <a:ext cx="2257933" cy="985696"/>
+          </a:xfrm>
+          <a:prstGeom prst="rect">
+            <a:avLst/>
+          </a:prstGeom>
+        </p:spPr>
+      </p:pic>
+      <p:sp>
+        <p:nvSpPr>
+          <p:cNvPr id="7" name="CuadroTexto 6"/>
+          <p:cNvSpPr txBox="1"/>
+          <p:nvPr/>
+        </p:nvSpPr>
+        <p:spPr>
+          <a:xfrm>
+            <a:off x="3734448" y="3851756"/>
+            <a:ext cx="1646605" cy="369332"/>
+          </a:xfrm>
+          <a:prstGeom prst="rect">
+            <a:avLst/>
+          </a:prstGeom>
+          <a:noFill/>
+        </p:spPr>
+        <p:txBody>
+          <a:bodyPr wrap="none" rtlCol="0">
+            <a:spAutoFit/>
+          </a:bodyPr>
+          <a:lstStyle/>
+          <a:p>
+            <a:r>
+              <a:rPr lang="en-US" dirty="0" smtClean="0">
+                <a:solidFill>
+                  <a:schemeClr val="accent1"/>
+                </a:solidFill>
+              </a:rPr>
+              <a:t>Good Practice</a:t>
+            </a:r>
+            <a:endParaRPr lang="es-CR" dirty="0">
+              <a:solidFill>
+                <a:schemeClr val="accent1"/>
+              </a:solidFill>
+            </a:endParaRPr>
+          </a:p>
+        </p:txBody>
+      </p:sp>
+      <p:pic>
+        <p:nvPicPr>
+          <p:cNvPr id="6" name="Imagen 5"/>
+          <p:cNvPicPr>
+            <a:picLocks noChangeAspect="1"/>
+          </p:cNvPicPr>
+          <p:nvPr/>
+        </p:nvPicPr>
+        <p:blipFill>
+          <a:blip r:embed="rId3"/>
+          <a:stretch>
+            <a:fillRect/>
+          </a:stretch>
+        </p:blipFill>
+        <p:spPr>
+          <a:xfrm>
+            <a:off x="3307691" y="4725144"/>
+            <a:ext cx="2500118" cy="1008112"/>
+          </a:xfrm>
+          <a:prstGeom prst="rect">
+            <a:avLst/>
+          </a:prstGeom>
+        </p:spPr>
+      </p:pic>
+    </p:spTree>
+    <p:extLst>
+      <p:ext uri="{BB962C8B-B14F-4D97-AF65-F5344CB8AC3E}">
+        <p14:creationId xmlns:p14="http://schemas.microsoft.com/office/powerpoint/2010/main" val="3147463206"/>
       </p:ext>
     </p:extLst>
   </p:cSld>
